--- a/docs/application-audit/talk/application-audit.pptx
+++ b/docs/application-audit/talk/application-audit.pptx
@@ -9992,11 +9992,17 @@
             <p:ph type="title"/>
           </p:nvPr>
         </p:nvSpPr>
-        <p:spPr/>
+        <p:spPr>
+          <a:xfrm>
+            <a:off x="3028568" y="743902"/>
+            <a:ext cx="7498080" cy="704088"/>
+          </a:xfrm>
+        </p:spPr>
         <p:txBody>
           <a:bodyPr/>
           <a:lstStyle/>
           <a:p>
+            <a:pPr algn="ctr"/>
             <a:r>
               <a:rPr lang="en-US" dirty="0" err="1"/>
               <a:t>C’est</a:t>
@@ -10078,65 +10084,36 @@
           </a:p>
         </p:txBody>
       </p:sp>
-      <p:sp>
-        <p:nvSpPr>
-          <p:cNvPr id="5" name="Content Placeholder 4">
-            <a:extLst>
-              <a:ext uri="{FF2B5EF4-FFF2-40B4-BE49-F238E27FC236}">
-                <a16:creationId xmlns:a16="http://schemas.microsoft.com/office/drawing/2014/main" id="{DA7A49E4-DCE3-62DE-B6D1-539EBFFFE689}"/>
-              </a:ext>
-            </a:extLst>
-          </p:cNvPr>
-          <p:cNvSpPr>
-            <a:spLocks noGrp="1"/>
-          </p:cNvSpPr>
-          <p:nvPr>
-            <p:ph idx="1"/>
-          </p:nvPr>
-        </p:nvSpPr>
-        <p:spPr/>
-        <p:txBody>
-          <a:bodyPr/>
-          <a:lstStyle/>
-          <a:p>
-            <a:r>
-              <a:rPr lang="en-US" dirty="0"/>
-              <a:t>Project on track for delivery</a:t>
-            </a:r>
-          </a:p>
-          <a:p>
-            <a:r>
-              <a:rPr lang="en-US" noProof="0" dirty="0"/>
-              <a:t>Delivery date is end of Q3</a:t>
-            </a:r>
-          </a:p>
-          <a:p>
-            <a:r>
-              <a:rPr lang="en-US" noProof="0" dirty="0"/>
-              <a:t>Estimate cost of $14,000</a:t>
-            </a:r>
-          </a:p>
-          <a:p>
-            <a:r>
-              <a:rPr lang="en-US" dirty="0"/>
-              <a:t>Project will deliver after Contoso update in Q4</a:t>
-            </a:r>
-          </a:p>
-          <a:p>
-            <a:pPr lvl="1"/>
-            <a:r>
-              <a:rPr lang="en-US" dirty="0"/>
-              <a:t>Contoso date of delivery is July 20xx</a:t>
-            </a:r>
-          </a:p>
-          <a:p>
-            <a:endParaRPr lang="en-US" dirty="0"/>
-          </a:p>
-          <a:p>
-            <a:endParaRPr lang="en-US" dirty="0"/>
-          </a:p>
-        </p:txBody>
-      </p:sp>
+      <p:pic>
+        <p:nvPicPr>
+          <p:cNvPr id="11" name="Picture 10" descr="A group of people in a meeting&#10;&#10;Description automatically generated with medium confidence">
+            <a:extLst>
+              <a:ext uri="{FF2B5EF4-FFF2-40B4-BE49-F238E27FC236}">
+                <a16:creationId xmlns:a16="http://schemas.microsoft.com/office/drawing/2014/main" id="{33C53EC2-ADE3-3F90-7CFD-2CFABD42A01E}"/>
+              </a:ext>
+            </a:extLst>
+          </p:cNvPr>
+          <p:cNvPicPr>
+            <a:picLocks noChangeAspect="1"/>
+          </p:cNvPicPr>
+          <p:nvPr/>
+        </p:nvPicPr>
+        <p:blipFill>
+          <a:blip r:embed="rId2"/>
+          <a:stretch>
+            <a:fillRect/>
+          </a:stretch>
+        </p:blipFill>
+        <p:spPr>
+          <a:xfrm>
+            <a:off x="3748089" y="1590675"/>
+            <a:ext cx="6048374" cy="4843461"/>
+          </a:xfrm>
+          <a:prstGeom prst="rect">
+            <a:avLst/>
+          </a:prstGeom>
+        </p:spPr>
+      </p:pic>
     </p:spTree>
     <p:extLst>
       <p:ext uri="{BB962C8B-B14F-4D97-AF65-F5344CB8AC3E}">
